--- a/sem-1/ECAP448/ECAP448-LECTURES-PPT/ECAP448_U05_T02_PowerPoint.pptx
+++ b/sem-1/ECAP448/ECAP448-LECTURES-PPT/ECAP448_U05_T02_PowerPoint.pptx
@@ -1451,7 +1451,7 @@
               <a:pPr>
                 <a:defRPr/>
               </a:pPr>
-              <a:t>3/16/2021</a:t>
+              <a:t>6/30/23</a:t>
             </a:fld>
             <a:endParaRPr lang="en-US"/>
           </a:p>
@@ -1756,7 +1756,7 @@
               <a:pPr>
                 <a:defRPr/>
               </a:pPr>
-              <a:t>3/16/2021</a:t>
+              <a:t>6/30/23</a:t>
             </a:fld>
             <a:endParaRPr lang="en-US"/>
           </a:p>
@@ -1971,7 +1971,7 @@
               <a:pPr>
                 <a:defRPr/>
               </a:pPr>
-              <a:t>3/16/2021</a:t>
+              <a:t>6/30/23</a:t>
             </a:fld>
             <a:endParaRPr lang="en-US"/>
           </a:p>
@@ -2196,7 +2196,7 @@
               <a:pPr>
                 <a:defRPr/>
               </a:pPr>
-              <a:t>3/16/2021</a:t>
+              <a:t>6/30/23</a:t>
             </a:fld>
             <a:endParaRPr lang="en-US"/>
           </a:p>
@@ -3610,7 +3610,7 @@
               <a:pPr>
                 <a:defRPr/>
               </a:pPr>
-              <a:t>3/16/2021</a:t>
+              <a:t>6/30/23</a:t>
             </a:fld>
             <a:endParaRPr lang="en-US"/>
           </a:p>
@@ -3917,7 +3917,7 @@
               <a:pPr>
                 <a:defRPr/>
               </a:pPr>
-              <a:t>3/16/2021</a:t>
+              <a:t>6/30/23</a:t>
             </a:fld>
             <a:endParaRPr lang="en-US"/>
           </a:p>
@@ -4329,7 +4329,7 @@
               <a:pPr>
                 <a:defRPr/>
               </a:pPr>
-              <a:t>3/16/2021</a:t>
+              <a:t>6/30/23</a:t>
             </a:fld>
             <a:endParaRPr lang="en-US"/>
           </a:p>
@@ -4492,7 +4492,7 @@
               <a:pPr>
                 <a:defRPr/>
               </a:pPr>
-              <a:t>3/16/2021</a:t>
+              <a:t>6/30/23</a:t>
             </a:fld>
             <a:endParaRPr lang="en-US"/>
           </a:p>
@@ -4825,7 +4825,7 @@
               <a:pPr>
                 <a:defRPr/>
               </a:pPr>
-              <a:t>3/16/2021</a:t>
+              <a:t>6/30/23</a:t>
             </a:fld>
             <a:endParaRPr lang="en-US"/>
           </a:p>
@@ -10023,7 +10023,7 @@
               </a:lnSpc>
             </a:pPr>
             <a:r>
-              <a:rPr lang="en-US" altLang="en-US"/>
+              <a:rPr lang="en-US" altLang="en-US" dirty="0"/>
               <a:t>The date utility displays the current date and time.</a:t>
             </a:r>
           </a:p>
@@ -10034,8 +10034,56 @@
               </a:lnSpc>
             </a:pPr>
             <a:r>
+              <a:rPr lang="en-US" altLang="en-US" dirty="0"/>
+              <a:t>You can choose the format and select the contents of the output of date.</a:t>
+            </a:r>
+          </a:p>
+          <a:p>
+            <a:pPr marL="0" indent="0" algn="just" eaLnBrk="1" hangingPunct="1">
+              <a:lnSpc>
+                <a:spcPct val="150000"/>
+              </a:lnSpc>
+              <a:buNone/>
+            </a:pPr>
+            <a:r>
               <a:rPr lang="en-US" altLang="en-US"/>
-              <a:t>You can choose the format and select the contents of the output of date.</a:t>
+              <a:t>Default Format</a:t>
+            </a:r>
+            <a:r>
+              <a:rPr lang="en-US" altLang="en-US" dirty="0"/>
+              <a:t>: </a:t>
+            </a:r>
+          </a:p>
+          <a:p>
+            <a:pPr marL="0" indent="0" algn="just" eaLnBrk="1" hangingPunct="1">
+              <a:lnSpc>
+                <a:spcPct val="150000"/>
+              </a:lnSpc>
+              <a:buNone/>
+            </a:pPr>
+            <a:r>
+              <a:rPr lang="en-US" altLang="en-US" dirty="0"/>
+              <a:t>	</a:t>
+            </a:r>
+            <a:r>
+              <a:rPr lang="en-US" altLang="en-US" dirty="0">
+                <a:solidFill>
+                  <a:srgbClr val="0070C0"/>
+                </a:solidFill>
+              </a:rPr>
+              <a:t>Day Mon DD HH:MM:SS TIMEZONE YEAR</a:t>
+            </a:r>
+          </a:p>
+          <a:p>
+            <a:pPr marL="0" indent="0" algn="just" eaLnBrk="1" hangingPunct="1">
+              <a:lnSpc>
+                <a:spcPct val="150000"/>
+              </a:lnSpc>
+              <a:buNone/>
+            </a:pPr>
+            <a:r>
+              <a:rPr lang="en-US" altLang="en-US" dirty="0"/>
+              <a:t>	Fri Jun 30 07:21:25 IST 2023</a:t>
             </a:r>
           </a:p>
         </p:txBody>
